--- a/fake-review-detection.pptx
+++ b/fake-review-detection.pptx
@@ -122,7 +122,7 @@
   </p:defaultTextStyle>
   <p:extLst>
     <p:ext uri="{EFAFB233-063F-42B5-8137-9DF3F51BA10A}">
-      <p15:sldGuideLst xmlns:p15="http://schemas.microsoft.com/office/powerpoint/2012/main">
+      <p15:sldGuideLst xmlns:p15="http://schemas.microsoft.com/office/powerpoint/2012/main" xmlns="">
         <p15:guide id="1" orient="horz" pos="2160">
           <p15:clr>
             <a:srgbClr val="A4A3A4"/>
@@ -221,7 +221,7 @@
           <a:p>
             <a:fld id="{25FEA7A5-3E32-CA44-BDAB-03281D6B5540}" type="datetimeFigureOut">
               <a:rPr lang="en-US" smtClean="0"/>
-              <a:t>12/16/18</a:t>
+              <a:t>17/12/18</a:t>
             </a:fld>
             <a:endParaRPr lang="en-US"/>
           </a:p>
@@ -751,7 +751,7 @@
           <a:p>
             <a:fld id="{B74DECCB-7B4D-7C4B-B185-A46F14B0B325}" type="datetimeFigureOut">
               <a:rPr lang="en-US" smtClean="0"/>
-              <a:t>12/16/18</a:t>
+              <a:t>17/12/18</a:t>
             </a:fld>
             <a:endParaRPr lang="en-US"/>
           </a:p>
@@ -919,7 +919,7 @@
           <a:p>
             <a:fld id="{B74DECCB-7B4D-7C4B-B185-A46F14B0B325}" type="datetimeFigureOut">
               <a:rPr lang="en-US" smtClean="0"/>
-              <a:t>12/16/18</a:t>
+              <a:t>17/12/18</a:t>
             </a:fld>
             <a:endParaRPr lang="en-US"/>
           </a:p>
@@ -1097,7 +1097,7 @@
           <a:p>
             <a:fld id="{B74DECCB-7B4D-7C4B-B185-A46F14B0B325}" type="datetimeFigureOut">
               <a:rPr lang="en-US" smtClean="0"/>
-              <a:t>12/16/18</a:t>
+              <a:t>17/12/18</a:t>
             </a:fld>
             <a:endParaRPr lang="en-US"/>
           </a:p>
@@ -1265,7 +1265,7 @@
           <a:p>
             <a:fld id="{B74DECCB-7B4D-7C4B-B185-A46F14B0B325}" type="datetimeFigureOut">
               <a:rPr lang="en-US" smtClean="0"/>
-              <a:t>12/16/18</a:t>
+              <a:t>17/12/18</a:t>
             </a:fld>
             <a:endParaRPr lang="en-US"/>
           </a:p>
@@ -1510,7 +1510,7 @@
           <a:p>
             <a:fld id="{B74DECCB-7B4D-7C4B-B185-A46F14B0B325}" type="datetimeFigureOut">
               <a:rPr lang="en-US" smtClean="0"/>
-              <a:t>12/16/18</a:t>
+              <a:t>17/12/18</a:t>
             </a:fld>
             <a:endParaRPr lang="en-US"/>
           </a:p>
@@ -1795,7 +1795,7 @@
           <a:p>
             <a:fld id="{B74DECCB-7B4D-7C4B-B185-A46F14B0B325}" type="datetimeFigureOut">
               <a:rPr lang="en-US" smtClean="0"/>
-              <a:t>12/16/18</a:t>
+              <a:t>17/12/18</a:t>
             </a:fld>
             <a:endParaRPr lang="en-US"/>
           </a:p>
@@ -2214,7 +2214,7 @@
           <a:p>
             <a:fld id="{B74DECCB-7B4D-7C4B-B185-A46F14B0B325}" type="datetimeFigureOut">
               <a:rPr lang="en-US" smtClean="0"/>
-              <a:t>12/16/18</a:t>
+              <a:t>17/12/18</a:t>
             </a:fld>
             <a:endParaRPr lang="en-US"/>
           </a:p>
@@ -2331,7 +2331,7 @@
           <a:p>
             <a:fld id="{B74DECCB-7B4D-7C4B-B185-A46F14B0B325}" type="datetimeFigureOut">
               <a:rPr lang="en-US" smtClean="0"/>
-              <a:t>12/16/18</a:t>
+              <a:t>17/12/18</a:t>
             </a:fld>
             <a:endParaRPr lang="en-US"/>
           </a:p>
@@ -2426,7 +2426,7 @@
           <a:p>
             <a:fld id="{B74DECCB-7B4D-7C4B-B185-A46F14B0B325}" type="datetimeFigureOut">
               <a:rPr lang="en-US" smtClean="0"/>
-              <a:t>12/16/18</a:t>
+              <a:t>17/12/18</a:t>
             </a:fld>
             <a:endParaRPr lang="en-US"/>
           </a:p>
@@ -2701,7 +2701,7 @@
           <a:p>
             <a:fld id="{B74DECCB-7B4D-7C4B-B185-A46F14B0B325}" type="datetimeFigureOut">
               <a:rPr lang="en-US" smtClean="0"/>
-              <a:t>12/16/18</a:t>
+              <a:t>17/12/18</a:t>
             </a:fld>
             <a:endParaRPr lang="en-US"/>
           </a:p>
@@ -2953,7 +2953,7 @@
           <a:p>
             <a:fld id="{B74DECCB-7B4D-7C4B-B185-A46F14B0B325}" type="datetimeFigureOut">
               <a:rPr lang="en-US" smtClean="0"/>
-              <a:t>12/16/18</a:t>
+              <a:t>17/12/18</a:t>
             </a:fld>
             <a:endParaRPr lang="en-US"/>
           </a:p>
@@ -3164,7 +3164,7 @@
           <a:p>
             <a:fld id="{B74DECCB-7B4D-7C4B-B185-A46F14B0B325}" type="datetimeFigureOut">
               <a:rPr lang="en-US" smtClean="0"/>
-              <a:t>12/16/18</a:t>
+              <a:t>17/12/18</a:t>
             </a:fld>
             <a:endParaRPr lang="en-US"/>
           </a:p>
@@ -3544,7 +3544,7 @@
           <p:cNvPr id="2" name="Title 1">
             <a:extLst>
               <a:ext uri="{FF2B5EF4-FFF2-40B4-BE49-F238E27FC236}">
-                <a16:creationId xmlns:a16="http://schemas.microsoft.com/office/drawing/2014/main" id="{79FDC9A6-E7EC-3B4D-BDCF-65575888977A}"/>
+                <a16:creationId xmlns:a16="http://schemas.microsoft.com/office/drawing/2014/main" xmlns="" id="{79FDC9A6-E7EC-3B4D-BDCF-65575888977A}"/>
               </a:ext>
             </a:extLst>
           </p:cNvPr>
@@ -3572,7 +3572,7 @@
           <p:cNvPr id="3" name="Content Placeholder 2">
             <a:extLst>
               <a:ext uri="{FF2B5EF4-FFF2-40B4-BE49-F238E27FC236}">
-                <a16:creationId xmlns:a16="http://schemas.microsoft.com/office/drawing/2014/main" id="{8A7FA82B-5FBA-0140-801D-C4628DC80893}"/>
+                <a16:creationId xmlns:a16="http://schemas.microsoft.com/office/drawing/2014/main" xmlns="" id="{8A7FA82B-5FBA-0140-801D-C4628DC80893}"/>
               </a:ext>
             </a:extLst>
           </p:cNvPr>
@@ -3650,6 +3650,10 @@
             <a:pPr marL="0" indent="0">
               <a:buNone/>
             </a:pPr>
+            <a:r>
+              <a:rPr lang="en-US" sz="6400" dirty="0"/>
+              <a:t/>
+            </a:r>
             <a:br>
               <a:rPr lang="en-US" sz="6400" dirty="0"/>
             </a:br>
@@ -3687,6 +3691,10 @@
             <a:pPr marL="0" indent="0">
               <a:buNone/>
             </a:pPr>
+            <a:r>
+              <a:rPr lang="en-US" sz="5600" dirty="0"/>
+              <a:t/>
+            </a:r>
             <a:br>
               <a:rPr lang="en-US" sz="5600" dirty="0"/>
             </a:br>
@@ -3696,6 +3704,10 @@
             <a:pPr marL="0" indent="0">
               <a:buNone/>
             </a:pPr>
+            <a:r>
+              <a:rPr lang="en-US" sz="5600" dirty="0"/>
+              <a:t/>
+            </a:r>
             <a:br>
               <a:rPr lang="en-US" sz="5600" dirty="0"/>
             </a:br>
@@ -3862,7 +3874,7 @@
           <p:cNvPr id="6" name="Picture 5">
             <a:extLst>
               <a:ext uri="{FF2B5EF4-FFF2-40B4-BE49-F238E27FC236}">
-                <a16:creationId xmlns:a16="http://schemas.microsoft.com/office/drawing/2014/main" id="{E988A1A1-CA92-5A44-B0FD-7C389F8E0709}"/>
+                <a16:creationId xmlns:a16="http://schemas.microsoft.com/office/drawing/2014/main" xmlns="" id="{E988A1A1-CA92-5A44-B0FD-7C389F8E0709}"/>
               </a:ext>
             </a:extLst>
           </p:cNvPr>
@@ -3971,7 +3983,7 @@
           <p:cNvPr id="5" name="Picture 4">
             <a:extLst>
               <a:ext uri="{FF2B5EF4-FFF2-40B4-BE49-F238E27FC236}">
-                <a16:creationId xmlns:a16="http://schemas.microsoft.com/office/drawing/2014/main" id="{222E17B0-1DD9-CB40-903D-93E762B8D4BF}"/>
+                <a16:creationId xmlns:a16="http://schemas.microsoft.com/office/drawing/2014/main" xmlns="" id="{222E17B0-1DD9-CB40-903D-93E762B8D4BF}"/>
               </a:ext>
             </a:extLst>
           </p:cNvPr>
@@ -4001,7 +4013,7 @@
           <p:cNvPr id="6" name="TextBox 5">
             <a:extLst>
               <a:ext uri="{FF2B5EF4-FFF2-40B4-BE49-F238E27FC236}">
-                <a16:creationId xmlns:a16="http://schemas.microsoft.com/office/drawing/2014/main" id="{C2F0A07E-0F5D-9F4B-B886-54A8C9817E48}"/>
+                <a16:creationId xmlns:a16="http://schemas.microsoft.com/office/drawing/2014/main" xmlns="" id="{C2F0A07E-0F5D-9F4B-B886-54A8C9817E48}"/>
               </a:ext>
             </a:extLst>
           </p:cNvPr>
@@ -4057,7 +4069,7 @@
           <p:cNvPr id="8" name="Picture 7">
             <a:extLst>
               <a:ext uri="{FF2B5EF4-FFF2-40B4-BE49-F238E27FC236}">
-                <a16:creationId xmlns:a16="http://schemas.microsoft.com/office/drawing/2014/main" id="{6DED8BDD-7552-F745-94CB-27B3A6AA88F0}"/>
+                <a16:creationId xmlns:a16="http://schemas.microsoft.com/office/drawing/2014/main" xmlns="" id="{6DED8BDD-7552-F745-94CB-27B3A6AA88F0}"/>
               </a:ext>
             </a:extLst>
           </p:cNvPr>
@@ -4087,7 +4099,7 @@
           <p:cNvPr id="10" name="Picture 9">
             <a:extLst>
               <a:ext uri="{FF2B5EF4-FFF2-40B4-BE49-F238E27FC236}">
-                <a16:creationId xmlns:a16="http://schemas.microsoft.com/office/drawing/2014/main" id="{6B6A8563-30F5-C045-926E-110234314496}"/>
+                <a16:creationId xmlns:a16="http://schemas.microsoft.com/office/drawing/2014/main" xmlns="" id="{6B6A8563-30F5-C045-926E-110234314496}"/>
               </a:ext>
             </a:extLst>
           </p:cNvPr>
@@ -4147,7 +4159,7 @@
           <p:cNvPr id="2" name="Title 1">
             <a:extLst>
               <a:ext uri="{FF2B5EF4-FFF2-40B4-BE49-F238E27FC236}">
-                <a16:creationId xmlns:a16="http://schemas.microsoft.com/office/drawing/2014/main" id="{BCDCD786-3AAB-5E4F-AD3D-3F4FCCE966D4}"/>
+                <a16:creationId xmlns:a16="http://schemas.microsoft.com/office/drawing/2014/main" xmlns="" id="{BCDCD786-3AAB-5E4F-AD3D-3F4FCCE966D4}"/>
               </a:ext>
             </a:extLst>
           </p:cNvPr>
@@ -4175,7 +4187,7 @@
           <p:cNvPr id="3" name="Content Placeholder 2">
             <a:extLst>
               <a:ext uri="{FF2B5EF4-FFF2-40B4-BE49-F238E27FC236}">
-                <a16:creationId xmlns:a16="http://schemas.microsoft.com/office/drawing/2014/main" id="{307A53D9-495A-2340-AF71-454DED674B83}"/>
+                <a16:creationId xmlns:a16="http://schemas.microsoft.com/office/drawing/2014/main" xmlns="" id="{307A53D9-495A-2340-AF71-454DED674B83}"/>
               </a:ext>
             </a:extLst>
           </p:cNvPr>
@@ -4217,8 +4229,49 @@
             </a:pPr>
             <a:r>
               <a:rPr lang="en-US" sz="1500" dirty="0"/>
-              <a:t>On evaluating the Random Forest model using the predict function, we could achieve the accuracy of 46%. Since we created the source data manually with the help of your friends, we would only manage creating 70 datasets. We are confident that the  accuracy should  increase as we get more data sets.</a:t>
-            </a:r>
+              <a:t>On evaluating the Random Forest model using the predict function, we could achieve the accuracy of 46%. Since we created the source data manually with the help of </a:t>
+            </a:r>
+            <a:r>
+              <a:rPr lang="en-US" sz="1500" dirty="0" smtClean="0"/>
+              <a:t>our friends</a:t>
+            </a:r>
+            <a:r>
+              <a:rPr lang="en-US" sz="1500" dirty="0"/>
+              <a:t>, we </a:t>
+            </a:r>
+            <a:r>
+              <a:rPr lang="en-US" sz="1500" dirty="0" smtClean="0"/>
+              <a:t>could only </a:t>
+            </a:r>
+            <a:r>
+              <a:rPr lang="en-US" sz="1500" dirty="0"/>
+              <a:t>manage creating 70 </a:t>
+            </a:r>
+            <a:r>
+              <a:rPr lang="en-US" sz="1500" dirty="0" smtClean="0"/>
+              <a:t>data entries</a:t>
+            </a:r>
+            <a:r>
+              <a:rPr lang="en-US" sz="1500" dirty="0" smtClean="0"/>
+              <a:t>. </a:t>
+            </a:r>
+            <a:r>
+              <a:rPr lang="en-US" sz="1500" dirty="0"/>
+              <a:t>We are confident that the  accuracy </a:t>
+            </a:r>
+            <a:r>
+              <a:rPr lang="en-US" sz="1500" dirty="0" smtClean="0"/>
+              <a:t>would increase </a:t>
+            </a:r>
+            <a:r>
+              <a:rPr lang="en-US" sz="1500" dirty="0"/>
+              <a:t>as we get more data </a:t>
+            </a:r>
+            <a:r>
+              <a:rPr lang="en-US" sz="1500" dirty="0" smtClean="0"/>
+              <a:t>entries.</a:t>
+            </a:r>
+            <a:endParaRPr lang="en-US" sz="1500" dirty="0"/>
           </a:p>
           <a:p>
             <a:pPr marL="0" indent="0">
@@ -4320,7 +4373,7 @@
           <p:cNvPr id="2" name="Title 1">
             <a:extLst>
               <a:ext uri="{FF2B5EF4-FFF2-40B4-BE49-F238E27FC236}">
-                <a16:creationId xmlns:a16="http://schemas.microsoft.com/office/drawing/2014/main" id="{49F2F1DE-0612-9243-A307-7B8D8F91D407}"/>
+                <a16:creationId xmlns:a16="http://schemas.microsoft.com/office/drawing/2014/main" xmlns="" id="{49F2F1DE-0612-9243-A307-7B8D8F91D407}"/>
               </a:ext>
             </a:extLst>
           </p:cNvPr>
@@ -4348,7 +4401,7 @@
           <p:cNvPr id="3" name="Content Placeholder 2">
             <a:extLst>
               <a:ext uri="{FF2B5EF4-FFF2-40B4-BE49-F238E27FC236}">
-                <a16:creationId xmlns:a16="http://schemas.microsoft.com/office/drawing/2014/main" id="{C056A5D1-DE1B-9048-B86B-52ED2A5B9C9A}"/>
+                <a16:creationId xmlns:a16="http://schemas.microsoft.com/office/drawing/2014/main" xmlns="" id="{C056A5D1-DE1B-9048-B86B-52ED2A5B9C9A}"/>
               </a:ext>
             </a:extLst>
           </p:cNvPr>
@@ -4478,7 +4531,7 @@
           <p:cNvPr id="2" name="Title 1">
             <a:extLst>
               <a:ext uri="{FF2B5EF4-FFF2-40B4-BE49-F238E27FC236}">
-                <a16:creationId xmlns:a16="http://schemas.microsoft.com/office/drawing/2014/main" id="{83B3D7EF-A389-014C-9F90-2ADEB0138634}"/>
+                <a16:creationId xmlns:a16="http://schemas.microsoft.com/office/drawing/2014/main" xmlns="" id="{83B3D7EF-A389-014C-9F90-2ADEB0138634}"/>
               </a:ext>
             </a:extLst>
           </p:cNvPr>
@@ -4541,7 +4594,7 @@
           <p:cNvPr id="3" name="Content Placeholder 2">
             <a:extLst>
               <a:ext uri="{FF2B5EF4-FFF2-40B4-BE49-F238E27FC236}">
-                <a16:creationId xmlns:a16="http://schemas.microsoft.com/office/drawing/2014/main" id="{EA7D9A50-F294-6D49-B3B0-8CE73A4D6D96}"/>
+                <a16:creationId xmlns:a16="http://schemas.microsoft.com/office/drawing/2014/main" xmlns="" id="{EA7D9A50-F294-6D49-B3B0-8CE73A4D6D96}"/>
               </a:ext>
             </a:extLst>
           </p:cNvPr>
@@ -4618,6 +4671,10 @@
             <a:pPr marL="0" indent="0">
               <a:buNone/>
             </a:pPr>
+            <a:r>
+              <a:rPr lang="en-US" sz="1600" dirty="0"/>
+              <a:t/>
+            </a:r>
             <a:br>
               <a:rPr lang="en-US" sz="1600" dirty="0"/>
             </a:br>
@@ -4698,7 +4755,7 @@
           <p:cNvPr id="4" name="Title 1">
             <a:extLst>
               <a:ext uri="{FF2B5EF4-FFF2-40B4-BE49-F238E27FC236}">
-                <a16:creationId xmlns:a16="http://schemas.microsoft.com/office/drawing/2014/main" id="{25D4C4D8-499F-7F4B-9E7E-B14C9D69FD43}"/>
+                <a16:creationId xmlns:a16="http://schemas.microsoft.com/office/drawing/2014/main" xmlns="" id="{25D4C4D8-499F-7F4B-9E7E-B14C9D69FD43}"/>
               </a:ext>
             </a:extLst>
           </p:cNvPr>
@@ -4761,7 +4818,7 @@
           <p:cNvPr id="2" name="Title 1">
             <a:extLst>
               <a:ext uri="{FF2B5EF4-FFF2-40B4-BE49-F238E27FC236}">
-                <a16:creationId xmlns:a16="http://schemas.microsoft.com/office/drawing/2014/main" id="{21B1CAA6-7B57-5B41-AFAF-01C670E92925}"/>
+                <a16:creationId xmlns:a16="http://schemas.microsoft.com/office/drawing/2014/main" xmlns="" id="{21B1CAA6-7B57-5B41-AFAF-01C670E92925}"/>
               </a:ext>
             </a:extLst>
           </p:cNvPr>
@@ -4789,7 +4846,7 @@
           <p:cNvPr id="3" name="Content Placeholder 2">
             <a:extLst>
               <a:ext uri="{FF2B5EF4-FFF2-40B4-BE49-F238E27FC236}">
-                <a16:creationId xmlns:a16="http://schemas.microsoft.com/office/drawing/2014/main" id="{2CD814DE-E4B7-7B45-B4B4-50B6C402D73D}"/>
+                <a16:creationId xmlns:a16="http://schemas.microsoft.com/office/drawing/2014/main" xmlns="" id="{2CD814DE-E4B7-7B45-B4B4-50B6C402D73D}"/>
               </a:ext>
             </a:extLst>
           </p:cNvPr>
@@ -5134,7 +5191,7 @@
           <p:cNvPr id="2" name="Title 1">
             <a:extLst>
               <a:ext uri="{FF2B5EF4-FFF2-40B4-BE49-F238E27FC236}">
-                <a16:creationId xmlns:a16="http://schemas.microsoft.com/office/drawing/2014/main" id="{21B1CAA6-7B57-5B41-AFAF-01C670E92925}"/>
+                <a16:creationId xmlns:a16="http://schemas.microsoft.com/office/drawing/2014/main" xmlns="" id="{21B1CAA6-7B57-5B41-AFAF-01C670E92925}"/>
               </a:ext>
             </a:extLst>
           </p:cNvPr>
@@ -5162,7 +5219,7 @@
           <p:cNvPr id="3" name="Content Placeholder 2">
             <a:extLst>
               <a:ext uri="{FF2B5EF4-FFF2-40B4-BE49-F238E27FC236}">
-                <a16:creationId xmlns:a16="http://schemas.microsoft.com/office/drawing/2014/main" id="{2CD814DE-E4B7-7B45-B4B4-50B6C402D73D}"/>
+                <a16:creationId xmlns:a16="http://schemas.microsoft.com/office/drawing/2014/main" xmlns="" id="{2CD814DE-E4B7-7B45-B4B4-50B6C402D73D}"/>
               </a:ext>
             </a:extLst>
           </p:cNvPr>
@@ -5724,7 +5781,7 @@
           <p:cNvPr id="5" name="Picture 4">
             <a:extLst>
               <a:ext uri="{FF2B5EF4-FFF2-40B4-BE49-F238E27FC236}">
-                <a16:creationId xmlns:a16="http://schemas.microsoft.com/office/drawing/2014/main" id="{10A67B74-A885-4D40-BC4D-C5E54FDC2382}"/>
+                <a16:creationId xmlns:a16="http://schemas.microsoft.com/office/drawing/2014/main" xmlns="" id="{10A67B74-A885-4D40-BC4D-C5E54FDC2382}"/>
               </a:ext>
             </a:extLst>
           </p:cNvPr>
@@ -5784,7 +5841,7 @@
           <p:cNvPr id="3" name="Content Placeholder 2">
             <a:extLst>
               <a:ext uri="{FF2B5EF4-FFF2-40B4-BE49-F238E27FC236}">
-                <a16:creationId xmlns:a16="http://schemas.microsoft.com/office/drawing/2014/main" id="{90FDEC4F-86D4-6042-9476-6EB5E9923D28}"/>
+                <a16:creationId xmlns:a16="http://schemas.microsoft.com/office/drawing/2014/main" xmlns="" id="{90FDEC4F-86D4-6042-9476-6EB5E9923D28}"/>
               </a:ext>
             </a:extLst>
           </p:cNvPr>
@@ -5898,7 +5955,7 @@
           <p:cNvPr id="6" name="Picture 5">
             <a:extLst>
               <a:ext uri="{FF2B5EF4-FFF2-40B4-BE49-F238E27FC236}">
-                <a16:creationId xmlns:a16="http://schemas.microsoft.com/office/drawing/2014/main" id="{F38B27EE-6A3F-AB4A-A9ED-29E2A1F0DDA3}"/>
+                <a16:creationId xmlns:a16="http://schemas.microsoft.com/office/drawing/2014/main" xmlns="" id="{F38B27EE-6A3F-AB4A-A9ED-29E2A1F0DDA3}"/>
               </a:ext>
             </a:extLst>
           </p:cNvPr>
@@ -5928,7 +5985,7 @@
           <p:cNvPr id="7" name="Picture 6">
             <a:extLst>
               <a:ext uri="{FF2B5EF4-FFF2-40B4-BE49-F238E27FC236}">
-                <a16:creationId xmlns:a16="http://schemas.microsoft.com/office/drawing/2014/main" id="{1D81F085-D4B3-914C-B879-75C210C48590}"/>
+                <a16:creationId xmlns:a16="http://schemas.microsoft.com/office/drawing/2014/main" xmlns="" id="{1D81F085-D4B3-914C-B879-75C210C48590}"/>
               </a:ext>
             </a:extLst>
           </p:cNvPr>
@@ -6148,7 +6205,7 @@
           <p:cNvPr id="4" name="Rectangle 3">
             <a:extLst>
               <a:ext uri="{FF2B5EF4-FFF2-40B4-BE49-F238E27FC236}">
-                <a16:creationId xmlns:a16="http://schemas.microsoft.com/office/drawing/2014/main" id="{2EA0C241-51D4-A34D-8F0F-C4D079CDCB68}"/>
+                <a16:creationId xmlns:a16="http://schemas.microsoft.com/office/drawing/2014/main" xmlns="" id="{2EA0C241-51D4-A34D-8F0F-C4D079CDCB68}"/>
               </a:ext>
             </a:extLst>
           </p:cNvPr>
@@ -6209,7 +6266,7 @@
           <p:cNvPr id="6" name="TextBox 5">
             <a:extLst>
               <a:ext uri="{FF2B5EF4-FFF2-40B4-BE49-F238E27FC236}">
-                <a16:creationId xmlns:a16="http://schemas.microsoft.com/office/drawing/2014/main" id="{202B8EE7-BDEA-6142-BC02-E5C2F2131AC8}"/>
+                <a16:creationId xmlns:a16="http://schemas.microsoft.com/office/drawing/2014/main" xmlns="" id="{202B8EE7-BDEA-6142-BC02-E5C2F2131AC8}"/>
               </a:ext>
             </a:extLst>
           </p:cNvPr>
@@ -6619,7 +6676,7 @@
     </a:clrScheme>
     <a:fontScheme name="Office">
       <a:majorFont>
-        <a:latin typeface="Calibri Light" panose="020F0302020204030204"/>
+        <a:latin typeface="Calibri Light"/>
         <a:ea typeface=""/>
         <a:cs typeface=""/>
         <a:font script="Jpan" typeface="游ゴシック Light"/>
@@ -6671,7 +6728,7 @@
         <a:font script="Tfng" typeface="Ebrima"/>
       </a:majorFont>
       <a:minorFont>
-        <a:latin typeface="Calibri" panose="020F0502020204030204"/>
+        <a:latin typeface="Calibri"/>
         <a:ea typeface=""/>
         <a:cs typeface=""/>
         <a:font script="Jpan" typeface="游ゴシック"/>
@@ -6865,7 +6922,7 @@
   <a:extraClrSchemeLst/>
   <a:extLst>
     <a:ext uri="{05A4C25C-085E-4340-85A3-A5531E510DB2}">
-      <thm15:themeFamily xmlns:thm15="http://schemas.microsoft.com/office/thememl/2012/main" name="Office Theme" id="{62F939B6-93AF-4DB8-9C6B-D6C7DFDC589F}" vid="{4A3C46E8-61CC-4603-A589-7422A47A8E4A}"/>
+      <thm15:themeFamily xmlns:thm15="http://schemas.microsoft.com/office/thememl/2012/main" xmlns="" name="Office Theme" id="{62F939B6-93AF-4DB8-9C6B-D6C7DFDC589F}" vid="{4A3C46E8-61CC-4603-A589-7422A47A8E4A}"/>
     </a:ext>
   </a:extLst>
 </a:theme>
